--- a/Weekly Presentation/Capstone Design 6th Presentation.pptx
+++ b/Weekly Presentation/Capstone Design 6th Presentation.pptx
@@ -5,10 +5,10 @@
     <p:sldMasterId id="2147483708" r:id="rId1"/>
   </p:sldMasterIdLst>
   <p:notesMasterIdLst>
-    <p:notesMasterId r:id="rId17"/>
+    <p:notesMasterId r:id="rId18"/>
   </p:notesMasterIdLst>
   <p:handoutMasterIdLst>
-    <p:handoutMasterId r:id="rId18"/>
+    <p:handoutMasterId r:id="rId19"/>
   </p:handoutMasterIdLst>
   <p:sldIdLst>
     <p:sldId id="259" r:id="rId2"/>
@@ -20,12 +20,13 @@
     <p:sldId id="330" r:id="rId8"/>
     <p:sldId id="331" r:id="rId9"/>
     <p:sldId id="332" r:id="rId10"/>
-    <p:sldId id="333" r:id="rId11"/>
-    <p:sldId id="334" r:id="rId12"/>
-    <p:sldId id="306" r:id="rId13"/>
-    <p:sldId id="307" r:id="rId14"/>
-    <p:sldId id="308" r:id="rId15"/>
-    <p:sldId id="304" r:id="rId16"/>
+    <p:sldId id="335" r:id="rId11"/>
+    <p:sldId id="333" r:id="rId12"/>
+    <p:sldId id="334" r:id="rId13"/>
+    <p:sldId id="306" r:id="rId14"/>
+    <p:sldId id="307" r:id="rId15"/>
+    <p:sldId id="308" r:id="rId16"/>
+    <p:sldId id="304" r:id="rId17"/>
   </p:sldIdLst>
   <p:sldSz cx="12192000" cy="6858000"/>
   <p:notesSz cx="6858000" cy="9144000"/>
@@ -3955,6 +3956,305 @@
           <a:chExt cx="0" cy="0"/>
         </a:xfrm>
       </p:grpSpPr>
+      <p:cxnSp>
+        <p:nvCxnSpPr>
+          <p:cNvPr id="12" name="직선 연결선 11"/>
+          <p:cNvCxnSpPr/>
+          <p:nvPr/>
+        </p:nvCxnSpPr>
+        <p:spPr>
+          <a:xfrm>
+            <a:off x="1138986" y="245110"/>
+            <a:ext cx="10666421" cy="0"/>
+          </a:xfrm>
+          <a:prstGeom prst="line">
+            <a:avLst/>
+          </a:prstGeom>
+          <a:ln w="19050">
+            <a:solidFill>
+              <a:schemeClr val="accent6"/>
+            </a:solidFill>
+          </a:ln>
+        </p:spPr>
+        <p:style>
+          <a:lnRef idx="1">
+            <a:schemeClr val="accent1"/>
+          </a:lnRef>
+          <a:fillRef idx="0">
+            <a:schemeClr val="accent1"/>
+          </a:fillRef>
+          <a:effectRef idx="0">
+            <a:schemeClr val="accent1"/>
+          </a:effectRef>
+          <a:fontRef idx="minor">
+            <a:schemeClr val="tx1"/>
+          </a:fontRef>
+        </p:style>
+      </p:cxnSp>
+      <p:sp>
+        <p:nvSpPr>
+          <p:cNvPr id="13" name="직사각형 12"/>
+          <p:cNvSpPr/>
+          <p:nvPr/>
+        </p:nvSpPr>
+        <p:spPr>
+          <a:xfrm>
+            <a:off x="265814" y="244548"/>
+            <a:ext cx="720000" cy="720000"/>
+          </a:xfrm>
+          <a:prstGeom prst="rect">
+            <a:avLst/>
+          </a:prstGeom>
+          <a:solidFill>
+            <a:schemeClr val="accent6">
+              <a:lumMod val="60000"/>
+              <a:lumOff val="40000"/>
+            </a:schemeClr>
+          </a:solidFill>
+          <a:ln>
+            <a:noFill/>
+          </a:ln>
+        </p:spPr>
+        <p:style>
+          <a:lnRef idx="2">
+            <a:schemeClr val="accent1">
+              <a:shade val="50000"/>
+            </a:schemeClr>
+          </a:lnRef>
+          <a:fillRef idx="1">
+            <a:schemeClr val="accent1"/>
+          </a:fillRef>
+          <a:effectRef idx="0">
+            <a:schemeClr val="accent1"/>
+          </a:effectRef>
+          <a:fontRef idx="minor">
+            <a:schemeClr val="lt1"/>
+          </a:fontRef>
+        </p:style>
+        <p:txBody>
+          <a:bodyPr rot="0" spcFirstLastPara="0" vertOverflow="overflow" horzOverflow="overflow" vert="horz" wrap="square" lIns="91440" tIns="45720" rIns="91440" bIns="45720" numCol="1" spcCol="0" rtlCol="0" fromWordArt="0" anchor="ctr" anchorCtr="0" forceAA="0" compatLnSpc="1">
+            <a:prstTxWarp prst="textNoShape">
+              <a:avLst/>
+            </a:prstTxWarp>
+            <a:noAutofit/>
+          </a:bodyPr>
+          <a:lstStyle/>
+          <a:p>
+            <a:pPr algn="ctr"/>
+            <a:endParaRPr lang="ko-KR" altLang="en-US"/>
+          </a:p>
+        </p:txBody>
+      </p:sp>
+      <p:sp>
+        <p:nvSpPr>
+          <p:cNvPr id="14" name="TextBox 13"/>
+          <p:cNvSpPr txBox="1"/>
+          <p:nvPr/>
+        </p:nvSpPr>
+        <p:spPr>
+          <a:xfrm>
+            <a:off x="490138" y="323244"/>
+            <a:ext cx="259302" cy="584775"/>
+          </a:xfrm>
+          <a:prstGeom prst="rect">
+            <a:avLst/>
+          </a:prstGeom>
+          <a:noFill/>
+        </p:spPr>
+        <p:txBody>
+          <a:bodyPr wrap="square" rtlCol="0">
+            <a:spAutoFit/>
+          </a:bodyPr>
+          <a:lstStyle/>
+          <a:p>
+            <a:pPr algn="ctr"/>
+            <a:r>
+              <a:rPr lang="en-US" altLang="ko-KR" sz="3200" b="1" dirty="0">
+                <a:solidFill>
+                  <a:schemeClr val="bg1"/>
+                </a:solidFill>
+              </a:rPr>
+              <a:t>2</a:t>
+            </a:r>
+            <a:endParaRPr lang="ko-KR" altLang="en-US" sz="3200" b="1" dirty="0">
+              <a:solidFill>
+                <a:schemeClr val="bg1"/>
+              </a:solidFill>
+            </a:endParaRPr>
+          </a:p>
+        </p:txBody>
+      </p:sp>
+      <p:grpSp>
+        <p:nvGrpSpPr>
+          <p:cNvPr id="15" name="그룹 14"/>
+          <p:cNvGrpSpPr/>
+          <p:nvPr/>
+        </p:nvGrpSpPr>
+        <p:grpSpPr>
+          <a:xfrm>
+            <a:off x="1188881" y="351819"/>
+            <a:ext cx="5833648" cy="660429"/>
+            <a:chOff x="1188881" y="351819"/>
+            <a:chExt cx="5833648" cy="660429"/>
+          </a:xfrm>
+        </p:grpSpPr>
+        <p:sp>
+          <p:nvSpPr>
+            <p:cNvPr id="18" name="TextBox 17"/>
+            <p:cNvSpPr txBox="1"/>
+            <p:nvPr/>
+          </p:nvSpPr>
+          <p:spPr>
+            <a:xfrm>
+              <a:off x="1188881" y="351819"/>
+              <a:ext cx="1107996" cy="276999"/>
+            </a:xfrm>
+            <a:prstGeom prst="rect">
+              <a:avLst/>
+            </a:prstGeom>
+            <a:noFill/>
+          </p:spPr>
+          <p:txBody>
+            <a:bodyPr wrap="none" rtlCol="0">
+              <a:spAutoFit/>
+            </a:bodyPr>
+            <a:lstStyle/>
+            <a:p>
+              <a:r>
+                <a:rPr lang="en-US" altLang="ko-KR" sz="1200" dirty="0"/>
+                <a:t>Progress	</a:t>
+              </a:r>
+              <a:endParaRPr lang="ko-KR" altLang="en-US" sz="1200" dirty="0"/>
+            </a:p>
+          </p:txBody>
+        </p:sp>
+        <p:sp>
+          <p:nvSpPr>
+            <p:cNvPr id="19" name="TextBox 18"/>
+            <p:cNvSpPr txBox="1"/>
+            <p:nvPr/>
+          </p:nvSpPr>
+          <p:spPr>
+            <a:xfrm>
+              <a:off x="1188881" y="581361"/>
+              <a:ext cx="5833648" cy="430887"/>
+            </a:xfrm>
+            <a:prstGeom prst="rect">
+              <a:avLst/>
+            </a:prstGeom>
+            <a:noFill/>
+          </p:spPr>
+          <p:txBody>
+            <a:bodyPr wrap="none" rtlCol="0">
+              <a:spAutoFit/>
+            </a:bodyPr>
+            <a:lstStyle/>
+            <a:p>
+              <a:r>
+                <a:rPr lang="en-US" altLang="ko-KR" sz="2200" dirty="0"/>
+                <a:t>Basic Functions – </a:t>
+              </a:r>
+              <a:r>
+                <a:rPr lang="en-US" altLang="ko-KR" sz="2200" dirty="0" err="1"/>
+                <a:t>Heo</a:t>
+              </a:r>
+              <a:r>
+                <a:rPr lang="en-US" altLang="ko-KR" sz="2200" dirty="0"/>
+                <a:t> </a:t>
+              </a:r>
+              <a:r>
+                <a:rPr lang="en-US" altLang="ko-KR" sz="2200" dirty="0" err="1"/>
+                <a:t>Jeongwoo</a:t>
+              </a:r>
+              <a:r>
+                <a:rPr lang="en-US" altLang="ko-KR" sz="2200" dirty="0"/>
+                <a:t> &amp; Hong </a:t>
+              </a:r>
+              <a:r>
+                <a:rPr lang="en-US" altLang="ko-KR" sz="2200" dirty="0" err="1"/>
+                <a:t>Jin</a:t>
+              </a:r>
+              <a:endParaRPr lang="en-US" altLang="ko-KR" sz="2200" dirty="0"/>
+            </a:p>
+          </p:txBody>
+        </p:sp>
+      </p:grpSp>
+      <p:sp>
+        <p:nvSpPr>
+          <p:cNvPr id="9" name="TextBox 8">
+            <a:extLst>
+              <a:ext uri="{FF2B5EF4-FFF2-40B4-BE49-F238E27FC236}">
+                <a16:creationId xmlns:a16="http://schemas.microsoft.com/office/drawing/2014/main" id="{3DC0A935-00FD-46B5-A5AC-FE7DA462DE55}"/>
+              </a:ext>
+            </a:extLst>
+          </p:cNvPr>
+          <p:cNvSpPr txBox="1"/>
+          <p:nvPr/>
+        </p:nvSpPr>
+        <p:spPr>
+          <a:xfrm>
+            <a:off x="3908536" y="1012248"/>
+            <a:ext cx="2807179" cy="861774"/>
+          </a:xfrm>
+          <a:prstGeom prst="rect">
+            <a:avLst/>
+          </a:prstGeom>
+          <a:noFill/>
+        </p:spPr>
+        <p:txBody>
+          <a:bodyPr wrap="none" rtlCol="0">
+            <a:spAutoFit/>
+          </a:bodyPr>
+          <a:lstStyle/>
+          <a:p>
+            <a:r>
+              <a:rPr lang="en-US" altLang="ko-KR" sz="5000" spc="-150" dirty="0">
+                <a:solidFill>
+                  <a:schemeClr val="tx2"/>
+                </a:solidFill>
+                <a:latin typeface="+mn-ea"/>
+              </a:rPr>
+              <a:t>File Open</a:t>
+            </a:r>
+            <a:endParaRPr lang="ko-KR" altLang="en-US" sz="5000" spc="-150" dirty="0">
+              <a:solidFill>
+                <a:schemeClr val="tx2"/>
+              </a:solidFill>
+              <a:latin typeface="+mn-ea"/>
+            </a:endParaRPr>
+          </a:p>
+        </p:txBody>
+      </p:sp>
+    </p:spTree>
+    <p:extLst>
+      <p:ext uri="{BB962C8B-B14F-4D97-AF65-F5344CB8AC3E}">
+        <p14:creationId xmlns:p14="http://schemas.microsoft.com/office/powerpoint/2010/main" val="911308124"/>
+      </p:ext>
+    </p:extLst>
+  </p:cSld>
+  <p:clrMapOvr>
+    <a:masterClrMapping/>
+  </p:clrMapOvr>
+</p:sld>
+</file>
+
+<file path=ppt/slides/slide11.xml><?xml version="1.0" encoding="utf-8"?>
+<p:sld xmlns:a="http://schemas.openxmlformats.org/drawingml/2006/main" xmlns:r="http://schemas.openxmlformats.org/officeDocument/2006/relationships" xmlns:p="http://schemas.openxmlformats.org/presentationml/2006/main">
+  <p:cSld>
+    <p:spTree>
+      <p:nvGrpSpPr>
+        <p:cNvPr id="1" name=""/>
+        <p:cNvGrpSpPr/>
+        <p:nvPr/>
+      </p:nvGrpSpPr>
+      <p:grpSpPr>
+        <a:xfrm>
+          <a:off x="0" y="0"/>
+          <a:ext cx="0" cy="0"/>
+          <a:chOff x="0" y="0"/>
+          <a:chExt cx="0" cy="0"/>
+        </a:xfrm>
+      </p:grpSpPr>
       <p:sp>
         <p:nvSpPr>
           <p:cNvPr id="6" name="TextBox 5"/>
@@ -4075,7 +4375,7 @@
 </p:sld>
 </file>
 
-<file path=ppt/slides/slide11.xml><?xml version="1.0" encoding="utf-8"?>
+<file path=ppt/slides/slide12.xml><?xml version="1.0" encoding="utf-8"?>
 <p:sld xmlns:a="http://schemas.openxmlformats.org/drawingml/2006/main" xmlns:r="http://schemas.openxmlformats.org/officeDocument/2006/relationships" xmlns:p="http://schemas.openxmlformats.org/presentationml/2006/main">
   <p:cSld>
     <p:spTree>
@@ -4358,7 +4658,7 @@
 </p:sld>
 </file>
 
-<file path=ppt/slides/slide12.xml><?xml version="1.0" encoding="utf-8"?>
+<file path=ppt/slides/slide13.xml><?xml version="1.0" encoding="utf-8"?>
 <p:sld xmlns:a="http://schemas.openxmlformats.org/drawingml/2006/main" xmlns:r="http://schemas.openxmlformats.org/officeDocument/2006/relationships" xmlns:p="http://schemas.openxmlformats.org/presentationml/2006/main" showMasterSp="0">
   <p:cSld>
     <p:spTree>
@@ -4492,236 +4792,6 @@
     <p:extLst>
       <p:ext uri="{BB962C8B-B14F-4D97-AF65-F5344CB8AC3E}">
         <p14:creationId xmlns:p14="http://schemas.microsoft.com/office/powerpoint/2010/main" val="3232294027"/>
-      </p:ext>
-    </p:extLst>
-  </p:cSld>
-  <p:clrMapOvr>
-    <a:masterClrMapping/>
-  </p:clrMapOvr>
-</p:sld>
-</file>
-
-<file path=ppt/slides/slide13.xml><?xml version="1.0" encoding="utf-8"?>
-<p:sld xmlns:a="http://schemas.openxmlformats.org/drawingml/2006/main" xmlns:r="http://schemas.openxmlformats.org/officeDocument/2006/relationships" xmlns:p="http://schemas.openxmlformats.org/presentationml/2006/main" showMasterSp="0">
-  <p:cSld>
-    <p:spTree>
-      <p:nvGrpSpPr>
-        <p:cNvPr id="1" name=""/>
-        <p:cNvGrpSpPr/>
-        <p:nvPr/>
-      </p:nvGrpSpPr>
-      <p:grpSpPr>
-        <a:xfrm>
-          <a:off x="0" y="0"/>
-          <a:ext cx="0" cy="0"/>
-          <a:chOff x="0" y="0"/>
-          <a:chExt cx="0" cy="0"/>
-        </a:xfrm>
-      </p:grpSpPr>
-      <p:cxnSp>
-        <p:nvCxnSpPr>
-          <p:cNvPr id="12" name="직선 연결선 11"/>
-          <p:cNvCxnSpPr/>
-          <p:nvPr/>
-        </p:nvCxnSpPr>
-        <p:spPr>
-          <a:xfrm>
-            <a:off x="1188881" y="273124"/>
-            <a:ext cx="10666421" cy="0"/>
-          </a:xfrm>
-          <a:prstGeom prst="line">
-            <a:avLst/>
-          </a:prstGeom>
-          <a:ln w="19050">
-            <a:solidFill>
-              <a:schemeClr val="accent6"/>
-            </a:solidFill>
-          </a:ln>
-        </p:spPr>
-        <p:style>
-          <a:lnRef idx="1">
-            <a:schemeClr val="accent1"/>
-          </a:lnRef>
-          <a:fillRef idx="0">
-            <a:schemeClr val="accent1"/>
-          </a:fillRef>
-          <a:effectRef idx="0">
-            <a:schemeClr val="accent1"/>
-          </a:effectRef>
-          <a:fontRef idx="minor">
-            <a:schemeClr val="tx1"/>
-          </a:fontRef>
-        </p:style>
-      </p:cxnSp>
-      <p:sp>
-        <p:nvSpPr>
-          <p:cNvPr id="13" name="직사각형 12"/>
-          <p:cNvSpPr/>
-          <p:nvPr/>
-        </p:nvSpPr>
-        <p:spPr>
-          <a:xfrm>
-            <a:off x="265814" y="244548"/>
-            <a:ext cx="720000" cy="720000"/>
-          </a:xfrm>
-          <a:prstGeom prst="rect">
-            <a:avLst/>
-          </a:prstGeom>
-          <a:solidFill>
-            <a:schemeClr val="accent6">
-              <a:lumMod val="60000"/>
-              <a:lumOff val="40000"/>
-            </a:schemeClr>
-          </a:solidFill>
-          <a:ln>
-            <a:noFill/>
-          </a:ln>
-        </p:spPr>
-        <p:style>
-          <a:lnRef idx="2">
-            <a:schemeClr val="accent1">
-              <a:shade val="50000"/>
-            </a:schemeClr>
-          </a:lnRef>
-          <a:fillRef idx="1">
-            <a:schemeClr val="accent1"/>
-          </a:fillRef>
-          <a:effectRef idx="0">
-            <a:schemeClr val="accent1"/>
-          </a:effectRef>
-          <a:fontRef idx="minor">
-            <a:schemeClr val="lt1"/>
-          </a:fontRef>
-        </p:style>
-        <p:txBody>
-          <a:bodyPr rot="0" spcFirstLastPara="0" vertOverflow="overflow" horzOverflow="overflow" vert="horz" wrap="square" lIns="91440" tIns="45720" rIns="91440" bIns="45720" numCol="1" spcCol="0" rtlCol="0" fromWordArt="0" anchor="ctr" anchorCtr="0" forceAA="0" compatLnSpc="1">
-            <a:prstTxWarp prst="textNoShape">
-              <a:avLst/>
-            </a:prstTxWarp>
-            <a:noAutofit/>
-          </a:bodyPr>
-          <a:lstStyle/>
-          <a:p>
-            <a:pPr algn="ctr"/>
-            <a:endParaRPr lang="ko-KR" altLang="en-US"/>
-          </a:p>
-        </p:txBody>
-      </p:sp>
-      <p:sp>
-        <p:nvSpPr>
-          <p:cNvPr id="14" name="TextBox 13"/>
-          <p:cNvSpPr txBox="1"/>
-          <p:nvPr/>
-        </p:nvSpPr>
-        <p:spPr>
-          <a:xfrm>
-            <a:off x="490138" y="323244"/>
-            <a:ext cx="259302" cy="584775"/>
-          </a:xfrm>
-          <a:prstGeom prst="rect">
-            <a:avLst/>
-          </a:prstGeom>
-          <a:noFill/>
-        </p:spPr>
-        <p:txBody>
-          <a:bodyPr wrap="square" rtlCol="0" anchor="t">
-            <a:spAutoFit/>
-          </a:bodyPr>
-          <a:lstStyle/>
-          <a:p>
-            <a:pPr algn="ctr"/>
-            <a:r>
-              <a:rPr lang="en-US" altLang="ko-KR" sz="3200" b="1">
-                <a:solidFill>
-                  <a:schemeClr val="bg1"/>
-                </a:solidFill>
-                <a:cs typeface="Arial"/>
-              </a:rPr>
-              <a:t>3</a:t>
-            </a:r>
-          </a:p>
-        </p:txBody>
-      </p:sp>
-      <p:sp>
-        <p:nvSpPr>
-          <p:cNvPr id="3" name="TextBox 2">
-            <a:extLst>
-              <a:ext uri="{FF2B5EF4-FFF2-40B4-BE49-F238E27FC236}">
-                <a16:creationId xmlns:a16="http://schemas.microsoft.com/office/drawing/2014/main" id="{82E0CEB2-F0C8-493D-9D98-42850D78EEEC}"/>
-              </a:ext>
-            </a:extLst>
-          </p:cNvPr>
-          <p:cNvSpPr txBox="1"/>
-          <p:nvPr/>
-        </p:nvSpPr>
-        <p:spPr>
-          <a:xfrm>
-            <a:off x="1185265" y="382052"/>
-            <a:ext cx="2612382" cy="584775"/>
-          </a:xfrm>
-          <a:prstGeom prst="rect">
-            <a:avLst/>
-          </a:prstGeom>
-          <a:noFill/>
-        </p:spPr>
-        <p:txBody>
-          <a:bodyPr wrap="none" rtlCol="0" anchor="t">
-            <a:spAutoFit/>
-          </a:bodyPr>
-          <a:lstStyle/>
-          <a:p>
-            <a:r>
-              <a:rPr lang="en-US" altLang="ko-KR" sz="3200" spc="-150">
-                <a:solidFill>
-                  <a:schemeClr val="tx2"/>
-                </a:solidFill>
-                <a:latin typeface="+mn-ea"/>
-              </a:rPr>
-              <a:t>Total Schedule</a:t>
-            </a:r>
-            <a:endParaRPr lang="ko-KR" altLang="en-US" sz="3200" spc="-150">
-              <a:solidFill>
-                <a:schemeClr val="tx2"/>
-              </a:solidFill>
-              <a:latin typeface="+mn-ea"/>
-            </a:endParaRPr>
-          </a:p>
-        </p:txBody>
-      </p:sp>
-      <p:pic>
-        <p:nvPicPr>
-          <p:cNvPr id="2" name="그림 1">
-            <a:extLst>
-              <a:ext uri="{FF2B5EF4-FFF2-40B4-BE49-F238E27FC236}">
-                <a16:creationId xmlns:a16="http://schemas.microsoft.com/office/drawing/2014/main" id="{C28130B2-BC58-4F00-9082-CD27E475B46D}"/>
-              </a:ext>
-            </a:extLst>
-          </p:cNvPr>
-          <p:cNvPicPr>
-            <a:picLocks noChangeAspect="1"/>
-          </p:cNvPicPr>
-          <p:nvPr/>
-        </p:nvPicPr>
-        <p:blipFill>
-          <a:blip r:embed="rId2"/>
-          <a:stretch>
-            <a:fillRect/>
-          </a:stretch>
-        </p:blipFill>
-        <p:spPr>
-          <a:xfrm>
-            <a:off x="3187085" y="1204808"/>
-            <a:ext cx="6063448" cy="5160479"/>
-          </a:xfrm>
-          <a:prstGeom prst="rect">
-            <a:avLst/>
-          </a:prstGeom>
-        </p:spPr>
-      </p:pic>
-    </p:spTree>
-    <p:extLst>
-      <p:ext uri="{BB962C8B-B14F-4D97-AF65-F5344CB8AC3E}">
-        <p14:creationId xmlns:p14="http://schemas.microsoft.com/office/powerpoint/2010/main" val="3886961086"/>
       </p:ext>
     </p:extLst>
   </p:cSld>
@@ -4887,6 +4957,236 @@
         <p:spPr>
           <a:xfrm>
             <a:off x="1185265" y="382052"/>
+            <a:ext cx="2612382" cy="584775"/>
+          </a:xfrm>
+          <a:prstGeom prst="rect">
+            <a:avLst/>
+          </a:prstGeom>
+          <a:noFill/>
+        </p:spPr>
+        <p:txBody>
+          <a:bodyPr wrap="none" rtlCol="0" anchor="t">
+            <a:spAutoFit/>
+          </a:bodyPr>
+          <a:lstStyle/>
+          <a:p>
+            <a:r>
+              <a:rPr lang="en-US" altLang="ko-KR" sz="3200" spc="-150">
+                <a:solidFill>
+                  <a:schemeClr val="tx2"/>
+                </a:solidFill>
+                <a:latin typeface="+mn-ea"/>
+              </a:rPr>
+              <a:t>Total Schedule</a:t>
+            </a:r>
+            <a:endParaRPr lang="ko-KR" altLang="en-US" sz="3200" spc="-150">
+              <a:solidFill>
+                <a:schemeClr val="tx2"/>
+              </a:solidFill>
+              <a:latin typeface="+mn-ea"/>
+            </a:endParaRPr>
+          </a:p>
+        </p:txBody>
+      </p:sp>
+      <p:pic>
+        <p:nvPicPr>
+          <p:cNvPr id="2" name="그림 1">
+            <a:extLst>
+              <a:ext uri="{FF2B5EF4-FFF2-40B4-BE49-F238E27FC236}">
+                <a16:creationId xmlns:a16="http://schemas.microsoft.com/office/drawing/2014/main" id="{C28130B2-BC58-4F00-9082-CD27E475B46D}"/>
+              </a:ext>
+            </a:extLst>
+          </p:cNvPr>
+          <p:cNvPicPr>
+            <a:picLocks noChangeAspect="1"/>
+          </p:cNvPicPr>
+          <p:nvPr/>
+        </p:nvPicPr>
+        <p:blipFill>
+          <a:blip r:embed="rId2"/>
+          <a:stretch>
+            <a:fillRect/>
+          </a:stretch>
+        </p:blipFill>
+        <p:spPr>
+          <a:xfrm>
+            <a:off x="3187085" y="1204808"/>
+            <a:ext cx="6063448" cy="5160479"/>
+          </a:xfrm>
+          <a:prstGeom prst="rect">
+            <a:avLst/>
+          </a:prstGeom>
+        </p:spPr>
+      </p:pic>
+    </p:spTree>
+    <p:extLst>
+      <p:ext uri="{BB962C8B-B14F-4D97-AF65-F5344CB8AC3E}">
+        <p14:creationId xmlns:p14="http://schemas.microsoft.com/office/powerpoint/2010/main" val="3886961086"/>
+      </p:ext>
+    </p:extLst>
+  </p:cSld>
+  <p:clrMapOvr>
+    <a:masterClrMapping/>
+  </p:clrMapOvr>
+</p:sld>
+</file>
+
+<file path=ppt/slides/slide15.xml><?xml version="1.0" encoding="utf-8"?>
+<p:sld xmlns:a="http://schemas.openxmlformats.org/drawingml/2006/main" xmlns:r="http://schemas.openxmlformats.org/officeDocument/2006/relationships" xmlns:p="http://schemas.openxmlformats.org/presentationml/2006/main" showMasterSp="0">
+  <p:cSld>
+    <p:spTree>
+      <p:nvGrpSpPr>
+        <p:cNvPr id="1" name=""/>
+        <p:cNvGrpSpPr/>
+        <p:nvPr/>
+      </p:nvGrpSpPr>
+      <p:grpSpPr>
+        <a:xfrm>
+          <a:off x="0" y="0"/>
+          <a:ext cx="0" cy="0"/>
+          <a:chOff x="0" y="0"/>
+          <a:chExt cx="0" cy="0"/>
+        </a:xfrm>
+      </p:grpSpPr>
+      <p:cxnSp>
+        <p:nvCxnSpPr>
+          <p:cNvPr id="12" name="직선 연결선 11"/>
+          <p:cNvCxnSpPr/>
+          <p:nvPr/>
+        </p:nvCxnSpPr>
+        <p:spPr>
+          <a:xfrm>
+            <a:off x="1188881" y="273124"/>
+            <a:ext cx="10666421" cy="0"/>
+          </a:xfrm>
+          <a:prstGeom prst="line">
+            <a:avLst/>
+          </a:prstGeom>
+          <a:ln w="19050">
+            <a:solidFill>
+              <a:schemeClr val="accent6"/>
+            </a:solidFill>
+          </a:ln>
+        </p:spPr>
+        <p:style>
+          <a:lnRef idx="1">
+            <a:schemeClr val="accent1"/>
+          </a:lnRef>
+          <a:fillRef idx="0">
+            <a:schemeClr val="accent1"/>
+          </a:fillRef>
+          <a:effectRef idx="0">
+            <a:schemeClr val="accent1"/>
+          </a:effectRef>
+          <a:fontRef idx="minor">
+            <a:schemeClr val="tx1"/>
+          </a:fontRef>
+        </p:style>
+      </p:cxnSp>
+      <p:sp>
+        <p:nvSpPr>
+          <p:cNvPr id="13" name="직사각형 12"/>
+          <p:cNvSpPr/>
+          <p:nvPr/>
+        </p:nvSpPr>
+        <p:spPr>
+          <a:xfrm>
+            <a:off x="265814" y="244548"/>
+            <a:ext cx="720000" cy="720000"/>
+          </a:xfrm>
+          <a:prstGeom prst="rect">
+            <a:avLst/>
+          </a:prstGeom>
+          <a:solidFill>
+            <a:schemeClr val="accent6">
+              <a:lumMod val="60000"/>
+              <a:lumOff val="40000"/>
+            </a:schemeClr>
+          </a:solidFill>
+          <a:ln>
+            <a:noFill/>
+          </a:ln>
+        </p:spPr>
+        <p:style>
+          <a:lnRef idx="2">
+            <a:schemeClr val="accent1">
+              <a:shade val="50000"/>
+            </a:schemeClr>
+          </a:lnRef>
+          <a:fillRef idx="1">
+            <a:schemeClr val="accent1"/>
+          </a:fillRef>
+          <a:effectRef idx="0">
+            <a:schemeClr val="accent1"/>
+          </a:effectRef>
+          <a:fontRef idx="minor">
+            <a:schemeClr val="lt1"/>
+          </a:fontRef>
+        </p:style>
+        <p:txBody>
+          <a:bodyPr rot="0" spcFirstLastPara="0" vertOverflow="overflow" horzOverflow="overflow" vert="horz" wrap="square" lIns="91440" tIns="45720" rIns="91440" bIns="45720" numCol="1" spcCol="0" rtlCol="0" fromWordArt="0" anchor="ctr" anchorCtr="0" forceAA="0" compatLnSpc="1">
+            <a:prstTxWarp prst="textNoShape">
+              <a:avLst/>
+            </a:prstTxWarp>
+            <a:noAutofit/>
+          </a:bodyPr>
+          <a:lstStyle/>
+          <a:p>
+            <a:pPr algn="ctr"/>
+            <a:endParaRPr lang="ko-KR" altLang="en-US"/>
+          </a:p>
+        </p:txBody>
+      </p:sp>
+      <p:sp>
+        <p:nvSpPr>
+          <p:cNvPr id="14" name="TextBox 13"/>
+          <p:cNvSpPr txBox="1"/>
+          <p:nvPr/>
+        </p:nvSpPr>
+        <p:spPr>
+          <a:xfrm>
+            <a:off x="490138" y="323244"/>
+            <a:ext cx="259302" cy="584775"/>
+          </a:xfrm>
+          <a:prstGeom prst="rect">
+            <a:avLst/>
+          </a:prstGeom>
+          <a:noFill/>
+        </p:spPr>
+        <p:txBody>
+          <a:bodyPr wrap="square" rtlCol="0" anchor="t">
+            <a:spAutoFit/>
+          </a:bodyPr>
+          <a:lstStyle/>
+          <a:p>
+            <a:pPr algn="ctr"/>
+            <a:r>
+              <a:rPr lang="en-US" altLang="ko-KR" sz="3200" b="1">
+                <a:solidFill>
+                  <a:schemeClr val="bg1"/>
+                </a:solidFill>
+                <a:cs typeface="Arial"/>
+              </a:rPr>
+              <a:t>3</a:t>
+            </a:r>
+          </a:p>
+        </p:txBody>
+      </p:sp>
+      <p:sp>
+        <p:nvSpPr>
+          <p:cNvPr id="3" name="TextBox 2">
+            <a:extLst>
+              <a:ext uri="{FF2B5EF4-FFF2-40B4-BE49-F238E27FC236}">
+                <a16:creationId xmlns:a16="http://schemas.microsoft.com/office/drawing/2014/main" id="{82E0CEB2-F0C8-493D-9D98-42850D78EEEC}"/>
+              </a:ext>
+            </a:extLst>
+          </p:cNvPr>
+          <p:cNvSpPr txBox="1"/>
+          <p:nvPr/>
+        </p:nvSpPr>
+        <p:spPr>
+          <a:xfrm>
+            <a:off x="1185265" y="382052"/>
             <a:ext cx="1709122" cy="584775"/>
           </a:xfrm>
           <a:prstGeom prst="rect">
@@ -5021,7 +5321,7 @@
 </p:sld>
 </file>
 
-<file path=ppt/slides/slide15.xml><?xml version="1.0" encoding="utf-8"?>
+<file path=ppt/slides/slide16.xml><?xml version="1.0" encoding="utf-8"?>
 <p:sld xmlns:a="http://schemas.openxmlformats.org/drawingml/2006/main" xmlns:r="http://schemas.openxmlformats.org/officeDocument/2006/relationships" xmlns:p="http://schemas.openxmlformats.org/presentationml/2006/main" showMasterSp="0">
   <p:cSld>
     <p:spTree>
@@ -7580,12 +7880,150 @@
           </a:p>
         </p:txBody>
       </p:sp>
+      <p:sp>
+        <p:nvSpPr>
+          <p:cNvPr id="16" name="TextBox 15">
+            <a:extLst>
+              <a:ext uri="{FF2B5EF4-FFF2-40B4-BE49-F238E27FC236}">
+                <a16:creationId xmlns:a16="http://schemas.microsoft.com/office/drawing/2014/main" id="{E9B78747-CC4F-4246-A13D-F6A7E2B71D2F}"/>
+              </a:ext>
+            </a:extLst>
+          </p:cNvPr>
+          <p:cNvSpPr txBox="1"/>
+          <p:nvPr/>
+        </p:nvSpPr>
+        <p:spPr>
+          <a:xfrm>
+            <a:off x="3736983" y="1238847"/>
+            <a:ext cx="1735347" cy="584775"/>
+          </a:xfrm>
+          <a:prstGeom prst="rect">
+            <a:avLst/>
+          </a:prstGeom>
+          <a:noFill/>
+        </p:spPr>
+        <p:txBody>
+          <a:bodyPr wrap="none" rtlCol="0">
+            <a:spAutoFit/>
+          </a:bodyPr>
+          <a:lstStyle/>
+          <a:p>
+            <a:r>
+              <a:rPr lang="en-US" altLang="ko-KR" sz="3200" spc="-150" dirty="0">
+                <a:solidFill>
+                  <a:schemeClr val="tx2"/>
+                </a:solidFill>
+                <a:latin typeface="+mn-ea"/>
+              </a:rPr>
+              <a:t>Text tool </a:t>
+            </a:r>
+            <a:endParaRPr lang="ko-KR" altLang="en-US" sz="3200" spc="-150" dirty="0">
+              <a:solidFill>
+                <a:schemeClr val="tx2"/>
+              </a:solidFill>
+              <a:latin typeface="+mn-ea"/>
+            </a:endParaRPr>
+          </a:p>
+        </p:txBody>
+      </p:sp>
+      <p:sp>
+        <p:nvSpPr>
+          <p:cNvPr id="17" name="TextBox 16">
+            <a:extLst>
+              <a:ext uri="{FF2B5EF4-FFF2-40B4-BE49-F238E27FC236}">
+                <a16:creationId xmlns:a16="http://schemas.microsoft.com/office/drawing/2014/main" id="{89386B46-3D71-4972-BB46-778A5BDC0F09}"/>
+              </a:ext>
+            </a:extLst>
+          </p:cNvPr>
+          <p:cNvSpPr txBox="1"/>
+          <p:nvPr/>
+        </p:nvSpPr>
+        <p:spPr>
+          <a:xfrm>
+            <a:off x="6383075" y="1238845"/>
+            <a:ext cx="2085636" cy="584775"/>
+          </a:xfrm>
+          <a:prstGeom prst="rect">
+            <a:avLst/>
+          </a:prstGeom>
+          <a:noFill/>
+        </p:spPr>
+        <p:txBody>
+          <a:bodyPr wrap="none" rtlCol="0">
+            <a:spAutoFit/>
+          </a:bodyPr>
+          <a:lstStyle/>
+          <a:p>
+            <a:r>
+              <a:rPr lang="en-US" altLang="ko-KR" sz="3200" spc="-150" dirty="0">
+                <a:solidFill>
+                  <a:schemeClr val="tx2"/>
+                </a:solidFill>
+                <a:latin typeface="+mn-ea"/>
+              </a:rPr>
+              <a:t>Eraser tool </a:t>
+            </a:r>
+            <a:endParaRPr lang="ko-KR" altLang="en-US" sz="3200" spc="-150" dirty="0">
+              <a:solidFill>
+                <a:schemeClr val="tx2"/>
+              </a:solidFill>
+              <a:latin typeface="+mn-ea"/>
+            </a:endParaRPr>
+          </a:p>
+        </p:txBody>
+      </p:sp>
+      <p:sp>
+        <p:nvSpPr>
+          <p:cNvPr id="20" name="TextBox 19">
+            <a:extLst>
+              <a:ext uri="{FF2B5EF4-FFF2-40B4-BE49-F238E27FC236}">
+                <a16:creationId xmlns:a16="http://schemas.microsoft.com/office/drawing/2014/main" id="{3E2DA665-56D9-42EA-8156-F301767ED3D8}"/>
+              </a:ext>
+            </a:extLst>
+          </p:cNvPr>
+          <p:cNvSpPr txBox="1"/>
+          <p:nvPr/>
+        </p:nvSpPr>
+        <p:spPr>
+          <a:xfrm>
+            <a:off x="9191415" y="1236719"/>
+            <a:ext cx="1778051" cy="584775"/>
+          </a:xfrm>
+          <a:prstGeom prst="rect">
+            <a:avLst/>
+          </a:prstGeom>
+          <a:noFill/>
+        </p:spPr>
+        <p:txBody>
+          <a:bodyPr wrap="none" rtlCol="0">
+            <a:spAutoFit/>
+          </a:bodyPr>
+          <a:lstStyle/>
+          <a:p>
+            <a:r>
+              <a:rPr lang="en-US" altLang="ko-KR" sz="3200" spc="-150" dirty="0">
+                <a:solidFill>
+                  <a:schemeClr val="tx2"/>
+                </a:solidFill>
+                <a:latin typeface="+mn-ea"/>
+              </a:rPr>
+              <a:t>Paint tool</a:t>
+            </a:r>
+            <a:endParaRPr lang="ko-KR" altLang="en-US" sz="3200" spc="-150" dirty="0">
+              <a:solidFill>
+                <a:schemeClr val="tx2"/>
+              </a:solidFill>
+              <a:latin typeface="+mn-ea"/>
+            </a:endParaRPr>
+          </a:p>
+        </p:txBody>
+      </p:sp>
       <p:pic>
         <p:nvPicPr>
-          <p:cNvPr id="2" name="그림 1">
+          <p:cNvPr id="3" name="그림 2">
             <a:extLst>
               <a:ext uri="{FF2B5EF4-FFF2-40B4-BE49-F238E27FC236}">
-                <a16:creationId xmlns:a16="http://schemas.microsoft.com/office/drawing/2014/main" id="{EC8A93CE-A918-4469-AC4D-57ABA2287FC9}"/>
+                <a16:creationId xmlns:a16="http://schemas.microsoft.com/office/drawing/2014/main" id="{B806558A-54F7-419B-B43B-C5EC2D01DF22}"/>
               </a:ext>
             </a:extLst>
           </p:cNvPr>
@@ -7602,25 +8040,20 @@
         </p:blipFill>
         <p:spPr>
           <a:xfrm>
-            <a:off x="749440" y="1970842"/>
-            <a:ext cx="2247691" cy="2628529"/>
+            <a:off x="528441" y="2133002"/>
+            <a:ext cx="2428875" cy="3486150"/>
           </a:xfrm>
           <a:prstGeom prst="rect">
             <a:avLst/>
           </a:prstGeom>
-          <a:ln>
-            <a:solidFill>
-              <a:schemeClr val="tx1"/>
-            </a:solidFill>
-          </a:ln>
         </p:spPr>
       </p:pic>
       <p:pic>
         <p:nvPicPr>
-          <p:cNvPr id="4" name="그림 3">
+          <p:cNvPr id="7" name="그림 6">
             <a:extLst>
               <a:ext uri="{FF2B5EF4-FFF2-40B4-BE49-F238E27FC236}">
-                <a16:creationId xmlns:a16="http://schemas.microsoft.com/office/drawing/2014/main" id="{518F2D59-FFFE-4808-8E52-89517DF56FA2}"/>
+                <a16:creationId xmlns:a16="http://schemas.microsoft.com/office/drawing/2014/main" id="{5D7FDC7B-28C1-4D04-BEBD-535CDA0344DD}"/>
               </a:ext>
             </a:extLst>
           </p:cNvPr>
@@ -7637,25 +8070,20 @@
         </p:blipFill>
         <p:spPr>
           <a:xfrm>
-            <a:off x="3424196" y="1970842"/>
-            <a:ext cx="2531480" cy="2088471"/>
+            <a:off x="3223531" y="2133002"/>
+            <a:ext cx="2762250" cy="3038475"/>
           </a:xfrm>
           <a:prstGeom prst="rect">
             <a:avLst/>
           </a:prstGeom>
-          <a:ln>
-            <a:solidFill>
-              <a:schemeClr val="tx1"/>
-            </a:solidFill>
-          </a:ln>
         </p:spPr>
       </p:pic>
       <p:pic>
         <p:nvPicPr>
-          <p:cNvPr id="5" name="그림 4">
+          <p:cNvPr id="8" name="그림 7">
             <a:extLst>
               <a:ext uri="{FF2B5EF4-FFF2-40B4-BE49-F238E27FC236}">
-                <a16:creationId xmlns:a16="http://schemas.microsoft.com/office/drawing/2014/main" id="{D246B511-9543-4E63-BCC9-0AB89E4887F9}"/>
+                <a16:creationId xmlns:a16="http://schemas.microsoft.com/office/drawing/2014/main" id="{DD397DD4-8F55-4A89-AFCA-CC49C7448778}"/>
               </a:ext>
             </a:extLst>
           </p:cNvPr>
@@ -7672,25 +8100,20 @@
         </p:blipFill>
         <p:spPr>
           <a:xfrm>
-            <a:off x="6382741" y="1970842"/>
-            <a:ext cx="2211547" cy="1458339"/>
+            <a:off x="6487680" y="2133002"/>
+            <a:ext cx="1876425" cy="2076450"/>
           </a:xfrm>
           <a:prstGeom prst="rect">
             <a:avLst/>
           </a:prstGeom>
-          <a:ln>
-            <a:solidFill>
-              <a:schemeClr val="tx1"/>
-            </a:solidFill>
-          </a:ln>
         </p:spPr>
       </p:pic>
       <p:pic>
         <p:nvPicPr>
-          <p:cNvPr id="6" name="그림 5">
+          <p:cNvPr id="10" name="그림 9">
             <a:extLst>
               <a:ext uri="{FF2B5EF4-FFF2-40B4-BE49-F238E27FC236}">
-                <a16:creationId xmlns:a16="http://schemas.microsoft.com/office/drawing/2014/main" id="{CA7816DF-E4DA-4A65-80DE-CAACC2874D0B}"/>
+                <a16:creationId xmlns:a16="http://schemas.microsoft.com/office/drawing/2014/main" id="{F0591EA7-739A-40ED-843C-80D12324B605}"/>
               </a:ext>
             </a:extLst>
           </p:cNvPr>
@@ -7707,157 +8130,14 @@
         </p:blipFill>
         <p:spPr>
           <a:xfrm>
-            <a:off x="9021353" y="1970842"/>
-            <a:ext cx="2561348" cy="2306064"/>
+            <a:off x="8866004" y="2133002"/>
+            <a:ext cx="2428875" cy="3048000"/>
           </a:xfrm>
           <a:prstGeom prst="rect">
             <a:avLst/>
           </a:prstGeom>
-          <a:ln>
-            <a:solidFill>
-              <a:schemeClr val="tx1"/>
-            </a:solidFill>
-          </a:ln>
         </p:spPr>
       </p:pic>
-      <p:sp>
-        <p:nvSpPr>
-          <p:cNvPr id="16" name="TextBox 15">
-            <a:extLst>
-              <a:ext uri="{FF2B5EF4-FFF2-40B4-BE49-F238E27FC236}">
-                <a16:creationId xmlns:a16="http://schemas.microsoft.com/office/drawing/2014/main" id="{E9B78747-CC4F-4246-A13D-F6A7E2B71D2F}"/>
-              </a:ext>
-            </a:extLst>
-          </p:cNvPr>
-          <p:cNvSpPr txBox="1"/>
-          <p:nvPr/>
-        </p:nvSpPr>
-        <p:spPr>
-          <a:xfrm>
-            <a:off x="3736983" y="1238847"/>
-            <a:ext cx="1735347" cy="584775"/>
-          </a:xfrm>
-          <a:prstGeom prst="rect">
-            <a:avLst/>
-          </a:prstGeom>
-          <a:noFill/>
-        </p:spPr>
-        <p:txBody>
-          <a:bodyPr wrap="none" rtlCol="0">
-            <a:spAutoFit/>
-          </a:bodyPr>
-          <a:lstStyle/>
-          <a:p>
-            <a:r>
-              <a:rPr lang="en-US" altLang="ko-KR" sz="3200" spc="-150" dirty="0">
-                <a:solidFill>
-                  <a:schemeClr val="tx2"/>
-                </a:solidFill>
-                <a:latin typeface="+mn-ea"/>
-              </a:rPr>
-              <a:t>Text tool </a:t>
-            </a:r>
-            <a:endParaRPr lang="ko-KR" altLang="en-US" sz="3200" spc="-150" dirty="0">
-              <a:solidFill>
-                <a:schemeClr val="tx2"/>
-              </a:solidFill>
-              <a:latin typeface="+mn-ea"/>
-            </a:endParaRPr>
-          </a:p>
-        </p:txBody>
-      </p:sp>
-      <p:sp>
-        <p:nvSpPr>
-          <p:cNvPr id="17" name="TextBox 16">
-            <a:extLst>
-              <a:ext uri="{FF2B5EF4-FFF2-40B4-BE49-F238E27FC236}">
-                <a16:creationId xmlns:a16="http://schemas.microsoft.com/office/drawing/2014/main" id="{89386B46-3D71-4972-BB46-778A5BDC0F09}"/>
-              </a:ext>
-            </a:extLst>
-          </p:cNvPr>
-          <p:cNvSpPr txBox="1"/>
-          <p:nvPr/>
-        </p:nvSpPr>
-        <p:spPr>
-          <a:xfrm>
-            <a:off x="6535561" y="1238846"/>
-            <a:ext cx="1958998" cy="584775"/>
-          </a:xfrm>
-          <a:prstGeom prst="rect">
-            <a:avLst/>
-          </a:prstGeom>
-          <a:noFill/>
-        </p:spPr>
-        <p:txBody>
-          <a:bodyPr wrap="none" rtlCol="0">
-            <a:spAutoFit/>
-          </a:bodyPr>
-          <a:lstStyle/>
-          <a:p>
-            <a:r>
-              <a:rPr lang="en-US" altLang="ko-KR" sz="3200" spc="-150" dirty="0">
-                <a:solidFill>
-                  <a:schemeClr val="tx2"/>
-                </a:solidFill>
-                <a:latin typeface="+mn-ea"/>
-              </a:rPr>
-              <a:t>Erase tool </a:t>
-            </a:r>
-            <a:endParaRPr lang="ko-KR" altLang="en-US" sz="3200" spc="-150" dirty="0">
-              <a:solidFill>
-                <a:schemeClr val="tx2"/>
-              </a:solidFill>
-              <a:latin typeface="+mn-ea"/>
-            </a:endParaRPr>
-          </a:p>
-        </p:txBody>
-      </p:sp>
-      <p:sp>
-        <p:nvSpPr>
-          <p:cNvPr id="20" name="TextBox 19">
-            <a:extLst>
-              <a:ext uri="{FF2B5EF4-FFF2-40B4-BE49-F238E27FC236}">
-                <a16:creationId xmlns:a16="http://schemas.microsoft.com/office/drawing/2014/main" id="{3E2DA665-56D9-42EA-8156-F301767ED3D8}"/>
-              </a:ext>
-            </a:extLst>
-          </p:cNvPr>
-          <p:cNvSpPr txBox="1"/>
-          <p:nvPr/>
-        </p:nvSpPr>
-        <p:spPr>
-          <a:xfrm>
-            <a:off x="9352212" y="1238845"/>
-            <a:ext cx="1778051" cy="584775"/>
-          </a:xfrm>
-          <a:prstGeom prst="rect">
-            <a:avLst/>
-          </a:prstGeom>
-          <a:noFill/>
-        </p:spPr>
-        <p:txBody>
-          <a:bodyPr wrap="none" rtlCol="0">
-            <a:spAutoFit/>
-          </a:bodyPr>
-          <a:lstStyle/>
-          <a:p>
-            <a:r>
-              <a:rPr lang="en-US" altLang="ko-KR" sz="3200" spc="-150" dirty="0">
-                <a:solidFill>
-                  <a:schemeClr val="tx2"/>
-                </a:solidFill>
-                <a:latin typeface="+mn-ea"/>
-              </a:rPr>
-              <a:t>Paint tool</a:t>
-            </a:r>
-            <a:endParaRPr lang="ko-KR" altLang="en-US" sz="3200" spc="-150" dirty="0">
-              <a:solidFill>
-                <a:schemeClr val="tx2"/>
-              </a:solidFill>
-              <a:latin typeface="+mn-ea"/>
-            </a:endParaRPr>
-          </a:p>
-        </p:txBody>
-      </p:sp>
     </p:spTree>
     <p:extLst>
       <p:ext uri="{BB962C8B-B14F-4D97-AF65-F5344CB8AC3E}">
